--- a/CMS-Demo-Plan_Aug2019.pptx
+++ b/CMS-Demo-Plan_Aug2019.pptx
@@ -255,7 +255,7 @@
           <a:p>
             <a:fld id="{D6E1EB1F-2479-4D76-B6B2-F911247D95E5}" type="datetimeFigureOut">
               <a:rPr lang="en-US" smtClean="0"/>
-              <a:t>8/12/2019</a:t>
+              <a:t>8/29/2019</a:t>
             </a:fld>
             <a:endParaRPr lang="en-US"/>
           </a:p>
@@ -425,7 +425,7 @@
           <a:p>
             <a:fld id="{D6E1EB1F-2479-4D76-B6B2-F911247D95E5}" type="datetimeFigureOut">
               <a:rPr lang="en-US" smtClean="0"/>
-              <a:t>8/12/2019</a:t>
+              <a:t>8/29/2019</a:t>
             </a:fld>
             <a:endParaRPr lang="en-US"/>
           </a:p>
@@ -605,7 +605,7 @@
           <a:p>
             <a:fld id="{D6E1EB1F-2479-4D76-B6B2-F911247D95E5}" type="datetimeFigureOut">
               <a:rPr lang="en-US" smtClean="0"/>
-              <a:t>8/12/2019</a:t>
+              <a:t>8/29/2019</a:t>
             </a:fld>
             <a:endParaRPr lang="en-US"/>
           </a:p>
@@ -775,7 +775,7 @@
           <a:p>
             <a:fld id="{D6E1EB1F-2479-4D76-B6B2-F911247D95E5}" type="datetimeFigureOut">
               <a:rPr lang="en-US" smtClean="0"/>
-              <a:t>8/12/2019</a:t>
+              <a:t>8/29/2019</a:t>
             </a:fld>
             <a:endParaRPr lang="en-US"/>
           </a:p>
@@ -1021,7 +1021,7 @@
           <a:p>
             <a:fld id="{D6E1EB1F-2479-4D76-B6B2-F911247D95E5}" type="datetimeFigureOut">
               <a:rPr lang="en-US" smtClean="0"/>
-              <a:t>8/12/2019</a:t>
+              <a:t>8/29/2019</a:t>
             </a:fld>
             <a:endParaRPr lang="en-US"/>
           </a:p>
@@ -1253,7 +1253,7 @@
           <a:p>
             <a:fld id="{D6E1EB1F-2479-4D76-B6B2-F911247D95E5}" type="datetimeFigureOut">
               <a:rPr lang="en-US" smtClean="0"/>
-              <a:t>8/12/2019</a:t>
+              <a:t>8/29/2019</a:t>
             </a:fld>
             <a:endParaRPr lang="en-US"/>
           </a:p>
@@ -1620,7 +1620,7 @@
           <a:p>
             <a:fld id="{D6E1EB1F-2479-4D76-B6B2-F911247D95E5}" type="datetimeFigureOut">
               <a:rPr lang="en-US" smtClean="0"/>
-              <a:t>8/12/2019</a:t>
+              <a:t>8/29/2019</a:t>
             </a:fld>
             <a:endParaRPr lang="en-US"/>
           </a:p>
@@ -1738,7 +1738,7 @@
           <a:p>
             <a:fld id="{D6E1EB1F-2479-4D76-B6B2-F911247D95E5}" type="datetimeFigureOut">
               <a:rPr lang="en-US" smtClean="0"/>
-              <a:t>8/12/2019</a:t>
+              <a:t>8/29/2019</a:t>
             </a:fld>
             <a:endParaRPr lang="en-US"/>
           </a:p>
@@ -1833,7 +1833,7 @@
           <a:p>
             <a:fld id="{D6E1EB1F-2479-4D76-B6B2-F911247D95E5}" type="datetimeFigureOut">
               <a:rPr lang="en-US" smtClean="0"/>
-              <a:t>8/12/2019</a:t>
+              <a:t>8/29/2019</a:t>
             </a:fld>
             <a:endParaRPr lang="en-US"/>
           </a:p>
@@ -2110,7 +2110,7 @@
           <a:p>
             <a:fld id="{D6E1EB1F-2479-4D76-B6B2-F911247D95E5}" type="datetimeFigureOut">
               <a:rPr lang="en-US" smtClean="0"/>
-              <a:t>8/12/2019</a:t>
+              <a:t>8/29/2019</a:t>
             </a:fld>
             <a:endParaRPr lang="en-US"/>
           </a:p>
@@ -2363,7 +2363,7 @@
           <a:p>
             <a:fld id="{D6E1EB1F-2479-4D76-B6B2-F911247D95E5}" type="datetimeFigureOut">
               <a:rPr lang="en-US" smtClean="0"/>
-              <a:t>8/12/2019</a:t>
+              <a:t>8/29/2019</a:t>
             </a:fld>
             <a:endParaRPr lang="en-US"/>
           </a:p>
@@ -2576,7 +2576,7 @@
           <a:p>
             <a:fld id="{D6E1EB1F-2479-4D76-B6B2-F911247D95E5}" type="datetimeFigureOut">
               <a:rPr lang="en-US" smtClean="0"/>
-              <a:t>8/12/2019</a:t>
+              <a:t>8/29/2019</a:t>
             </a:fld>
             <a:endParaRPr lang="en-US"/>
           </a:p>
@@ -3013,9 +3013,8 @@
             </a:r>
             <a:r>
               <a:rPr lang="en-US" sz="6000" dirty="0" smtClean="0"/>
-              <a:t>have -----</a:t>
-            </a:r>
-            <a:endParaRPr lang="en-US" sz="6000" dirty="0" smtClean="0"/>
+              <a:t>have</a:t>
+            </a:r>
           </a:p>
           <a:p>
             <a:pPr marL="285750" indent="-285750">
@@ -3035,9 +3034,8 @@
             </a:r>
             <a:r>
               <a:rPr lang="en-US" sz="6000" dirty="0" smtClean="0"/>
-              <a:t>CMS ---------Tami</a:t>
-            </a:r>
-            <a:endParaRPr lang="en-US" sz="6000" dirty="0" smtClean="0"/>
+              <a:t>CMS</a:t>
+            </a:r>
           </a:p>
           <a:p>
             <a:pPr marL="285750" indent="-285750">
@@ -3053,11 +3051,11 @@
             </a:pPr>
             <a:r>
               <a:rPr lang="en-US" sz="6000" dirty="0" smtClean="0"/>
-              <a:t> Future </a:t>
+              <a:t> </a:t>
             </a:r>
             <a:r>
               <a:rPr lang="en-US" sz="6000" dirty="0" smtClean="0"/>
-              <a:t>Plans--------</a:t>
+              <a:t>Future Plans</a:t>
             </a:r>
             <a:endParaRPr lang="en-US" sz="6000" dirty="0"/>
           </a:p>
